--- a/database/slides/BESTIR_THY_POWER.pptx
+++ b/database/slides/BESTIR_THY_POWER.pptx
@@ -15984,7 +15984,13 @@
       </p:sp>
       <p:sp>
         <p:nvSpPr>
-          <p:cNvPr id="131" name="Google Shape;131;p25"/>
+          <p:cNvPr id="2" name="Google Shape;131;p25">
+            <a:extLst>
+              <a:ext uri="{FF2B5EF4-FFF2-40B4-BE49-F238E27FC236}">
+                <a16:creationId xmlns:a16="http://schemas.microsoft.com/office/drawing/2014/main" id="{E0088950-AC39-38EC-763D-67F0443ED919}"/>
+              </a:ext>
+            </a:extLst>
+          </p:cNvPr>
           <p:cNvSpPr txBox="1"/>
           <p:nvPr/>
         </p:nvSpPr>
@@ -16022,7 +16028,7 @@
               <a:buNone/>
             </a:pPr>
             <a:r>
-              <a:rPr lang="en-GB" sz="3600" b="1" i="1" dirty="0">
+              <a:rPr lang="en-GB" sz="3600" b="1" i="1">
                 <a:solidFill>
                   <a:srgbClr val="FFFF00"/>
                 </a:solidFill>
@@ -16033,7 +16039,7 @@
               </a:rPr>
               <a:t>contd..</a:t>
             </a:r>
-            <a:endParaRPr sz="3600" dirty="0">
+            <a:endParaRPr sz="3600">
               <a:latin typeface="Calibri"/>
               <a:ea typeface="Calibri"/>
               <a:cs typeface="Calibri"/>
@@ -16307,7 +16313,13 @@
       </p:sp>
       <p:sp>
         <p:nvSpPr>
-          <p:cNvPr id="131" name="Google Shape;131;p25"/>
+          <p:cNvPr id="2" name="Google Shape;131;p25">
+            <a:extLst>
+              <a:ext uri="{FF2B5EF4-FFF2-40B4-BE49-F238E27FC236}">
+                <a16:creationId xmlns:a16="http://schemas.microsoft.com/office/drawing/2014/main" id="{F83DEB43-3EE0-E197-A533-BEBEA8DBEA84}"/>
+              </a:ext>
+            </a:extLst>
+          </p:cNvPr>
           <p:cNvSpPr txBox="1"/>
           <p:nvPr/>
         </p:nvSpPr>
@@ -16345,7 +16357,7 @@
               <a:buNone/>
             </a:pPr>
             <a:r>
-              <a:rPr lang="en-GB" sz="3600" b="1" i="1" dirty="0">
+              <a:rPr lang="en-GB" sz="3600" b="1" i="1">
                 <a:solidFill>
                   <a:srgbClr val="FFFF00"/>
                 </a:solidFill>
@@ -16356,7 +16368,7 @@
               </a:rPr>
               <a:t>contd..</a:t>
             </a:r>
-            <a:endParaRPr sz="3600" dirty="0">
+            <a:endParaRPr sz="3600">
               <a:latin typeface="Calibri"/>
               <a:ea typeface="Calibri"/>
               <a:cs typeface="Calibri"/>
@@ -16635,7 +16647,13 @@
       </p:sp>
       <p:sp>
         <p:nvSpPr>
-          <p:cNvPr id="131" name="Google Shape;131;p25"/>
+          <p:cNvPr id="2" name="Google Shape;131;p25">
+            <a:extLst>
+              <a:ext uri="{FF2B5EF4-FFF2-40B4-BE49-F238E27FC236}">
+                <a16:creationId xmlns:a16="http://schemas.microsoft.com/office/drawing/2014/main" id="{18D1FAB1-7A37-D4C6-0113-619CCAD7FD3B}"/>
+              </a:ext>
+            </a:extLst>
+          </p:cNvPr>
           <p:cNvSpPr txBox="1"/>
           <p:nvPr/>
         </p:nvSpPr>
@@ -16673,7 +16691,7 @@
               <a:buNone/>
             </a:pPr>
             <a:r>
-              <a:rPr lang="en-GB" sz="3600" b="1" i="1" dirty="0">
+              <a:rPr lang="en-GB" sz="3600" b="1" i="1">
                 <a:solidFill>
                   <a:srgbClr val="FFFF00"/>
                 </a:solidFill>
@@ -16684,7 +16702,7 @@
               </a:rPr>
               <a:t>contd..</a:t>
             </a:r>
-            <a:endParaRPr sz="3600" dirty="0">
+            <a:endParaRPr sz="3600">
               <a:latin typeface="Calibri"/>
               <a:ea typeface="Calibri"/>
               <a:cs typeface="Calibri"/>
